--- a/Linked Lists.pptx
+++ b/Linked Lists.pptx
@@ -110,6 +110,11 @@
       </a:defRPr>
     </a:lvl9pPr>
   </p:defaultTextStyle>
+  <p:extLst>
+    <p:ext uri="{EFAFB233-063F-42B5-8137-9DF3F51BA10A}">
+      <p15:sldGuideLst xmlns:p15="http://schemas.microsoft.com/office/powerpoint/2012/main"/>
+    </p:ext>
+  </p:extLst>
 </p:presentation>
 </file>
 
@@ -3343,7 +3348,7 @@
                 <a16:creationId xmlns:a16="http://schemas.microsoft.com/office/drawing/2014/main" id="{2643BE6C-86B7-4AB9-91E8-9B5DB45AC8EA}"/>
               </a:ext>
               <a:ext uri="{C183D7F6-B498-43B3-948B-1728B52AA6E4}">
-                <adec:decorative xmlns:adec="http://schemas.microsoft.com/office/drawing/2017/decorative" val="1"/>
+                <adec:decorative xmlns:adec="http://schemas.microsoft.com/office/drawing/2017/decorative" xmlns="" val="1"/>
               </a:ext>
             </a:extLst>
           </p:cNvPr>
@@ -3528,7 +3533,7 @@
                 <a14:useLocalDpi xmlns:a14="http://schemas.microsoft.com/office/drawing/2010/main" val="0"/>
               </a:ext>
               <a:ext uri="{96DAC541-7B7A-43D3-8B79-37D633B846F1}">
-                <asvg:svgBlip xmlns:asvg="http://schemas.microsoft.com/office/drawing/2016/SVG/main" r:embed="rId3"/>
+                <asvg:svgBlip xmlns:asvg="http://schemas.microsoft.com/office/drawing/2016/SVG/main" xmlns="" r:embed="rId3"/>
               </a:ext>
             </a:extLst>
           </a:blip>
@@ -3556,6 +3561,13 @@
   <p:clrMapOvr>
     <a:masterClrMapping/>
   </p:clrMapOvr>
+  <p:timing>
+    <p:tnLst>
+      <p:par>
+        <p:cTn id="1" dur="indefinite" restart="never" nodeType="tmRoot"/>
+      </p:par>
+    </p:tnLst>
+  </p:timing>
 </p:sld>
 </file>
 
@@ -3592,7 +3604,7 @@
                 <a16:creationId xmlns:a16="http://schemas.microsoft.com/office/drawing/2014/main" id="{2550BE34-C2B8-49B8-8519-67A8CAD51AE9}"/>
               </a:ext>
               <a:ext uri="{C183D7F6-B498-43B3-948B-1728B52AA6E4}">
-                <adec:decorative xmlns:adec="http://schemas.microsoft.com/office/drawing/2017/decorative" val="1"/>
+                <adec:decorative xmlns:adec="http://schemas.microsoft.com/office/drawing/2017/decorative" xmlns="" val="1"/>
               </a:ext>
             </a:extLst>
           </p:cNvPr>
@@ -3652,7 +3664,7 @@
                 <a16:creationId xmlns:a16="http://schemas.microsoft.com/office/drawing/2014/main" id="{A7457DD9-5A45-400A-AB4B-4B4EDECA25F1}"/>
               </a:ext>
               <a:ext uri="{C183D7F6-B498-43B3-948B-1728B52AA6E4}">
-                <adec:decorative xmlns:adec="http://schemas.microsoft.com/office/drawing/2017/decorative" val="1"/>
+                <adec:decorative xmlns:adec="http://schemas.microsoft.com/office/drawing/2017/decorative" xmlns="" val="1"/>
               </a:ext>
             </a:extLst>
           </p:cNvPr>
@@ -3812,7 +3824,7 @@
                 <a16:creationId xmlns:a16="http://schemas.microsoft.com/office/drawing/2014/main" id="{441CF7D6-A660-431A-B0BB-140A0D5556B6}"/>
               </a:ext>
               <a:ext uri="{C183D7F6-B498-43B3-948B-1728B52AA6E4}">
-                <adec:decorative xmlns:adec="http://schemas.microsoft.com/office/drawing/2017/decorative" val="1"/>
+                <adec:decorative xmlns:adec="http://schemas.microsoft.com/office/drawing/2017/decorative" xmlns="" val="1"/>
               </a:ext>
             </a:extLst>
           </p:cNvPr>
@@ -3880,7 +3892,7 @@
                 <a16:creationId xmlns:a16="http://schemas.microsoft.com/office/drawing/2014/main" id="{0570A85B-3810-4F95-97B0-CBF4CCDB381C}"/>
               </a:ext>
               <a:ext uri="{C183D7F6-B498-43B3-948B-1728B52AA6E4}">
-                <adec:decorative xmlns:adec="http://schemas.microsoft.com/office/drawing/2017/decorative" val="1"/>
+                <adec:decorative xmlns:adec="http://schemas.microsoft.com/office/drawing/2017/decorative" xmlns="" val="1"/>
               </a:ext>
             </a:extLst>
           </p:cNvPr>
@@ -4465,6 +4477,16 @@
   <p:clrMapOvr>
     <a:masterClrMapping/>
   </p:clrMapOvr>
+  <p:transition spd="slow">
+    <p:cover/>
+  </p:transition>
+  <p:timing>
+    <p:tnLst>
+      <p:par>
+        <p:cTn id="1" dur="indefinite" restart="never" nodeType="tmRoot"/>
+      </p:par>
+    </p:tnLst>
+  </p:timing>
 </p:sld>
 </file>
 
@@ -4501,7 +4523,7 @@
                 <a16:creationId xmlns:a16="http://schemas.microsoft.com/office/drawing/2014/main" id="{CEB41C5C-0F34-4DDA-9D7C-5E717F35F60C}"/>
               </a:ext>
               <a:ext uri="{C183D7F6-B498-43B3-948B-1728B52AA6E4}">
-                <adec:decorative xmlns:adec="http://schemas.microsoft.com/office/drawing/2017/decorative" val="1"/>
+                <adec:decorative xmlns:adec="http://schemas.microsoft.com/office/drawing/2017/decorative" xmlns="" val="1"/>
               </a:ext>
             </a:extLst>
           </p:cNvPr>
@@ -4710,7 +4732,7 @@
                 <a16:creationId xmlns:a16="http://schemas.microsoft.com/office/drawing/2014/main" id="{57E1E5E6-F385-4E9C-B201-BA5BDE5CAD52}"/>
               </a:ext>
               <a:ext uri="{C183D7F6-B498-43B3-948B-1728B52AA6E4}">
-                <adec:decorative xmlns:adec="http://schemas.microsoft.com/office/drawing/2017/decorative" val="1"/>
+                <adec:decorative xmlns:adec="http://schemas.microsoft.com/office/drawing/2017/decorative" xmlns="" val="1"/>
               </a:ext>
             </a:extLst>
           </p:cNvPr>
@@ -5282,6 +5304,16 @@
   <p:clrMapOvr>
     <a:masterClrMapping/>
   </p:clrMapOvr>
+  <p:transition spd="slow">
+    <p:cover/>
+  </p:transition>
+  <p:timing>
+    <p:tnLst>
+      <p:par>
+        <p:cTn id="1" dur="indefinite" restart="never" nodeType="tmRoot"/>
+      </p:par>
+    </p:tnLst>
+  </p:timing>
 </p:sld>
 </file>
 
@@ -5318,7 +5350,7 @@
                 <a16:creationId xmlns:a16="http://schemas.microsoft.com/office/drawing/2014/main" id="{0EA0C3AC-2A72-484B-B07D-F2CC519F1201}"/>
               </a:ext>
               <a:ext uri="{C183D7F6-B498-43B3-948B-1728B52AA6E4}">
-                <adec:decorative xmlns:adec="http://schemas.microsoft.com/office/drawing/2017/decorative" val="1"/>
+                <adec:decorative xmlns:adec="http://schemas.microsoft.com/office/drawing/2017/decorative" xmlns="" val="1"/>
               </a:ext>
             </a:extLst>
           </p:cNvPr>
@@ -5410,7 +5442,7 @@
                 <a16:creationId xmlns:a16="http://schemas.microsoft.com/office/drawing/2014/main" id="{986477EF-3991-4D07-9F11-9E887C340C78}"/>
               </a:ext>
               <a:ext uri="{C183D7F6-B498-43B3-948B-1728B52AA6E4}">
-                <adec:decorative xmlns:adec="http://schemas.microsoft.com/office/drawing/2017/decorative" val="1"/>
+                <adec:decorative xmlns:adec="http://schemas.microsoft.com/office/drawing/2017/decorative" xmlns="" val="1"/>
               </a:ext>
             </a:extLst>
           </p:cNvPr>
@@ -5504,7 +5536,7 @@
           </a:ln>
           <a:extLst>
             <a:ext uri="{91240B29-F687-4f45-9708-019B960494DF}">
-              <a14:hiddenLine xmlns="" xmlns:p14="http://schemas.microsoft.com/office/powerpoint/2010/main" xmlns:a14="http://schemas.microsoft.com/office/drawing/2010/main" xmlns:a16="http://schemas.microsoft.com/office/drawing/2014/main" w="9525">
+              <a14:hiddenLine xmlns:a16="http://schemas.microsoft.com/office/drawing/2014/main" xmlns:a14="http://schemas.microsoft.com/office/drawing/2010/main" xmlns:p14="http://schemas.microsoft.com/office/powerpoint/2010/main" xmlns="" w="9525">
                 <a:solidFill>
                   <a:srgbClr val="000000"/>
                 </a:solidFill>
@@ -5589,7 +5621,7 @@
                 <a16:creationId xmlns:a16="http://schemas.microsoft.com/office/drawing/2014/main" id="{A23F8109-B0C1-4D0F-A1B4-C89C9AD70484}"/>
               </a:ext>
               <a:ext uri="{C183D7F6-B498-43B3-948B-1728B52AA6E4}">
-                <adec:decorative xmlns:adec="http://schemas.microsoft.com/office/drawing/2017/decorative" val="1"/>
+                <adec:decorative xmlns:adec="http://schemas.microsoft.com/office/drawing/2017/decorative" xmlns="" val="1"/>
               </a:ext>
             </a:extLst>
           </p:cNvPr>
@@ -6042,7 +6074,7 @@
                 <a16:creationId xmlns:a16="http://schemas.microsoft.com/office/drawing/2014/main" id="{EDA40B90-E281-4108-8CC2-959D5F95070A}"/>
               </a:ext>
               <a:ext uri="{C183D7F6-B498-43B3-948B-1728B52AA6E4}">
-                <adec:decorative xmlns:adec="http://schemas.microsoft.com/office/drawing/2017/decorative" val="1"/>
+                <adec:decorative xmlns:adec="http://schemas.microsoft.com/office/drawing/2017/decorative" xmlns="" val="1"/>
               </a:ext>
             </a:extLst>
           </p:cNvPr>
@@ -6194,6 +6226,16 @@
   <p:clrMapOvr>
     <a:masterClrMapping/>
   </p:clrMapOvr>
+  <p:transition spd="slow">
+    <p:cover/>
+  </p:transition>
+  <p:timing>
+    <p:tnLst>
+      <p:par>
+        <p:cTn id="1" dur="indefinite" restart="never" nodeType="tmRoot"/>
+      </p:par>
+    </p:tnLst>
+  </p:timing>
 </p:sld>
 </file>
 
@@ -6230,7 +6272,7 @@
                 <a16:creationId xmlns:a16="http://schemas.microsoft.com/office/drawing/2014/main" id="{85016AEC-0320-4ED0-8ECB-FE11DDDFE17A}"/>
               </a:ext>
               <a:ext uri="{C183D7F6-B498-43B3-948B-1728B52AA6E4}">
-                <adec:decorative xmlns:adec="http://schemas.microsoft.com/office/drawing/2017/decorative" val="1"/>
+                <adec:decorative xmlns:adec="http://schemas.microsoft.com/office/drawing/2017/decorative" xmlns="" val="1"/>
               </a:ext>
             </a:extLst>
           </p:cNvPr>
@@ -6361,7 +6403,7 @@
                 <a16:creationId xmlns:a16="http://schemas.microsoft.com/office/drawing/2014/main" id="{C70C3B59-DE2C-4611-8148-812575C5CA48}"/>
               </a:ext>
               <a:ext uri="{C183D7F6-B498-43B3-948B-1728B52AA6E4}">
-                <adec:decorative xmlns:adec="http://schemas.microsoft.com/office/drawing/2017/decorative" val="1"/>
+                <adec:decorative xmlns:adec="http://schemas.microsoft.com/office/drawing/2017/decorative" xmlns="" val="1"/>
               </a:ext>
             </a:extLst>
           </p:cNvPr>
@@ -6576,6 +6618,16 @@
   <p:clrMapOvr>
     <a:masterClrMapping/>
   </p:clrMapOvr>
+  <p:transition spd="slow">
+    <p:cover/>
+  </p:transition>
+  <p:timing>
+    <p:tnLst>
+      <p:par>
+        <p:cTn id="1" dur="indefinite" restart="never" nodeType="tmRoot"/>
+      </p:par>
+    </p:tnLst>
+  </p:timing>
 </p:sld>
 </file>
 
@@ -6612,7 +6664,7 @@
                 <a16:creationId xmlns:a16="http://schemas.microsoft.com/office/drawing/2014/main" id="{A4AC5506-6312-4701-8D3C-40187889A947}"/>
               </a:ext>
               <a:ext uri="{C183D7F6-B498-43B3-948B-1728B52AA6E4}">
-                <adec:decorative xmlns:adec="http://schemas.microsoft.com/office/drawing/2017/decorative" val="1"/>
+                <adec:decorative xmlns:adec="http://schemas.microsoft.com/office/drawing/2017/decorative" xmlns="" val="1"/>
               </a:ext>
             </a:extLst>
           </p:cNvPr>
@@ -6784,6 +6836,16 @@
   <p:clrMapOvr>
     <a:masterClrMapping/>
   </p:clrMapOvr>
+  <p:transition spd="slow">
+    <p:cover/>
+  </p:transition>
+  <p:timing>
+    <p:tnLst>
+      <p:par>
+        <p:cTn id="1" dur="indefinite" restart="never" nodeType="tmRoot"/>
+      </p:par>
+    </p:tnLst>
+  </p:timing>
 </p:sld>
 </file>
 
@@ -6820,7 +6882,7 @@
                 <a16:creationId xmlns:a16="http://schemas.microsoft.com/office/drawing/2014/main" id="{6ECA6DCB-B7E1-40A9-9524-540C6DA40B1B}"/>
               </a:ext>
               <a:ext uri="{C183D7F6-B498-43B3-948B-1728B52AA6E4}">
-                <adec:decorative xmlns:adec="http://schemas.microsoft.com/office/drawing/2017/decorative" val="1"/>
+                <adec:decorative xmlns:adec="http://schemas.microsoft.com/office/drawing/2017/decorative" xmlns="" val="1"/>
               </a:ext>
             </a:extLst>
           </p:cNvPr>
@@ -6938,7 +7000,7 @@
                 <a16:creationId xmlns:a16="http://schemas.microsoft.com/office/drawing/2014/main" id="{1DE889C7-FAD6-4397-98E2-05D503484459}"/>
               </a:ext>
               <a:ext uri="{C183D7F6-B498-43B3-948B-1728B52AA6E4}">
-                <adec:decorative xmlns:adec="http://schemas.microsoft.com/office/drawing/2017/decorative" val="1"/>
+                <adec:decorative xmlns:adec="http://schemas.microsoft.com/office/drawing/2017/decorative" xmlns="" val="1"/>
               </a:ext>
             </a:extLst>
           </p:cNvPr>
@@ -6969,7 +7031,7 @@
                   <a16:creationId xmlns:a16="http://schemas.microsoft.com/office/drawing/2014/main" id="{F399A70F-F8CD-4992-9EF5-6CF15472E73F}"/>
                 </a:ext>
                 <a:ext uri="{C183D7F6-B498-43B3-948B-1728B52AA6E4}">
-                  <adec:decorative xmlns:adec="http://schemas.microsoft.com/office/drawing/2017/decorative" val="1"/>
+                  <adec:decorative xmlns:adec="http://schemas.microsoft.com/office/drawing/2017/decorative" xmlns="" val="1"/>
                 </a:ext>
               </a:extLst>
             </p:cNvPr>
@@ -7030,7 +7092,7 @@
                   <a16:creationId xmlns:a16="http://schemas.microsoft.com/office/drawing/2014/main" id="{48F4FEDC-6D80-458C-A665-075D9B9500FD}"/>
                 </a:ext>
                 <a:ext uri="{C183D7F6-B498-43B3-948B-1728B52AA6E4}">
-                  <adec:decorative xmlns:adec="http://schemas.microsoft.com/office/drawing/2017/decorative" val="1"/>
+                  <adec:decorative xmlns:adec="http://schemas.microsoft.com/office/drawing/2017/decorative" xmlns="" val="1"/>
                 </a:ext>
               </a:extLst>
             </p:cNvPr>
@@ -7092,7 +7154,7 @@
                 <a16:creationId xmlns:a16="http://schemas.microsoft.com/office/drawing/2014/main" id="{3873B707-463F-40B0-8227-E8CC6C67EB25}"/>
               </a:ext>
               <a:ext uri="{C183D7F6-B498-43B3-948B-1728B52AA6E4}">
-                <adec:decorative xmlns:adec="http://schemas.microsoft.com/office/drawing/2017/decorative" val="1"/>
+                <adec:decorative xmlns:adec="http://schemas.microsoft.com/office/drawing/2017/decorative" xmlns="" val="1"/>
               </a:ext>
             </a:extLst>
           </p:cNvPr>
@@ -7361,7 +7423,7 @@
                 <a16:creationId xmlns:a16="http://schemas.microsoft.com/office/drawing/2014/main" id="{C13237C8-E62C-4F0D-A318-BD6FB6C2D138}"/>
               </a:ext>
               <a:ext uri="{C183D7F6-B498-43B3-948B-1728B52AA6E4}">
-                <adec:decorative xmlns:adec="http://schemas.microsoft.com/office/drawing/2017/decorative" val="1"/>
+                <adec:decorative xmlns:adec="http://schemas.microsoft.com/office/drawing/2017/decorative" xmlns="" val="1"/>
               </a:ext>
             </a:extLst>
           </p:cNvPr>
@@ -7424,7 +7486,7 @@
                 <a16:creationId xmlns:a16="http://schemas.microsoft.com/office/drawing/2014/main" id="{19C9EAEA-39D0-4B0E-A0EB-51E7B26740B1}"/>
               </a:ext>
               <a:ext uri="{C183D7F6-B498-43B3-948B-1728B52AA6E4}">
-                <adec:decorative xmlns:adec="http://schemas.microsoft.com/office/drawing/2017/decorative" val="1"/>
+                <adec:decorative xmlns:adec="http://schemas.microsoft.com/office/drawing/2017/decorative" xmlns="" val="1"/>
               </a:ext>
             </a:extLst>
           </p:cNvPr>
@@ -7525,7 +7587,7 @@
                 <a16:creationId xmlns:a16="http://schemas.microsoft.com/office/drawing/2014/main" id="{8CB5D2D7-DF65-4E86-BFBA-FFB9B5ACEB64}"/>
               </a:ext>
               <a:ext uri="{C183D7F6-B498-43B3-948B-1728B52AA6E4}">
-                <adec:decorative xmlns:adec="http://schemas.microsoft.com/office/drawing/2017/decorative" val="1"/>
+                <adec:decorative xmlns:adec="http://schemas.microsoft.com/office/drawing/2017/decorative" xmlns="" val="1"/>
               </a:ext>
             </a:extLst>
           </p:cNvPr>
@@ -7632,6 +7694,16 @@
   <p:clrMapOvr>
     <a:masterClrMapping/>
   </p:clrMapOvr>
+  <p:transition spd="slow">
+    <p:cover/>
+  </p:transition>
+  <p:timing>
+    <p:tnLst>
+      <p:par>
+        <p:cTn id="1" dur="indefinite" restart="never" nodeType="tmRoot"/>
+      </p:par>
+    </p:tnLst>
+  </p:timing>
 </p:sld>
 </file>
 
